--- a/Labhesh_Jasmeet_Rohan.pptx
+++ b/Labhesh_Jasmeet_Rohan.pptx
@@ -3211,6 +3211,64 @@
               <a:t>Jasmeet Kaur (12520018)</a:t>
             </a:r>
           </a:p>
+          <a:p>
+            <a:pPr>
+              <a:lnSpc>
+                <a:spcPct val="170000"/>
+              </a:lnSpc>
+              <a:defRPr>
+                <a:latin typeface="Times New Roman"/>
+              </a:defRPr>
+            </a:pPr>
+            <a:endParaRPr lang="en-IN" sz="2400" b="1" dirty="0"/>
+          </a:p>
+        </p:txBody>
+      </p:sp>
+      <p:sp>
+        <p:nvSpPr>
+          <p:cNvPr id="6" name="TextBox 5">
+            <a:extLst>
+              <a:ext uri="{FF2B5EF4-FFF2-40B4-BE49-F238E27FC236}">
+                <a16:creationId xmlns:a16="http://schemas.microsoft.com/office/drawing/2014/main" id="{BA5220B6-16B8-6FA7-B650-66BA744C468C}"/>
+              </a:ext>
+            </a:extLst>
+          </p:cNvPr>
+          <p:cNvSpPr txBox="1"/>
+          <p:nvPr/>
+        </p:nvSpPr>
+        <p:spPr>
+          <a:xfrm>
+            <a:off x="568411" y="6314301"/>
+            <a:ext cx="8007177" cy="276999"/>
+          </a:xfrm>
+          <a:prstGeom prst="rect">
+            <a:avLst/>
+          </a:prstGeom>
+          <a:noFill/>
+        </p:spPr>
+        <p:txBody>
+          <a:bodyPr wrap="square">
+            <a:spAutoFit/>
+          </a:bodyPr>
+          <a:lstStyle/>
+          <a:p>
+            <a:pPr algn="ctr"/>
+            <a:r>
+              <a:rPr lang="en-IN" sz="1200" dirty="0">
+                <a:latin typeface="Times New Roman" panose="02020603050405020304" pitchFamily="18" charset="0"/>
+                <a:cs typeface="Times New Roman" panose="02020603050405020304" pitchFamily="18" charset="0"/>
+                <a:hlinkClick r:id="rId2"/>
+              </a:rPr>
+              <a:t>https://github.com/jasmeetjeya/ICU-Bed-Assignment-Optimizer-Using-Hybrid-GA-Fuzzy-XAI/settings</a:t>
+            </a:r>
+            <a:r>
+              <a:rPr lang="en-IN" sz="1200" dirty="0">
+                <a:latin typeface="Times New Roman" panose="02020603050405020304" pitchFamily="18" charset="0"/>
+                <a:cs typeface="Times New Roman" panose="02020603050405020304" pitchFamily="18" charset="0"/>
+              </a:rPr>
+              <a:t> </a:t>
+            </a:r>
+          </a:p>
         </p:txBody>
       </p:sp>
     </p:spTree>
@@ -3218,13 +3276,13 @@
   <p:clrMapOvr>
     <a:masterClrMapping/>
   </p:clrMapOvr>
-  <mc:AlternateContent xmlns:mc="http://schemas.openxmlformats.org/markup-compatibility/2006">
-    <mc:Choice xmlns:p159="http://schemas.microsoft.com/office/powerpoint/2015/09/main" Requires="p159">
+  <mc:AlternateContent xmlns:mc="http://schemas.openxmlformats.org/markup-compatibility/2006" xmlns:p159="http://schemas.microsoft.com/office/powerpoint/2015/09/main">
+    <mc:Choice Requires="p159">
       <p:transition xmlns:p14="http://schemas.microsoft.com/office/powerpoint/2010/main" spd="slow" p14:dur="2000">
         <p159:morph option="byObject"/>
       </p:transition>
     </mc:Choice>
-    <mc:Fallback>
+    <mc:Fallback xmlns="">
       <p:transition spd="slow">
         <p:fade/>
       </p:transition>
@@ -3640,13 +3698,13 @@
   <p:clrMapOvr>
     <a:masterClrMapping/>
   </p:clrMapOvr>
-  <mc:AlternateContent xmlns:mc="http://schemas.openxmlformats.org/markup-compatibility/2006">
-    <mc:Choice xmlns:p159="http://schemas.microsoft.com/office/powerpoint/2015/09/main" Requires="p159">
+  <mc:AlternateContent xmlns:mc="http://schemas.openxmlformats.org/markup-compatibility/2006" xmlns:p159="http://schemas.microsoft.com/office/powerpoint/2015/09/main">
+    <mc:Choice Requires="p159">
       <p:transition xmlns:p14="http://schemas.microsoft.com/office/powerpoint/2010/main" spd="slow" p14:dur="2000">
         <p159:morph option="byObject"/>
       </p:transition>
     </mc:Choice>
-    <mc:Fallback>
+    <mc:Fallback xmlns="">
       <p:transition spd="slow">
         <p:fade/>
       </p:transition>
@@ -3817,13 +3875,13 @@
   <p:clrMapOvr>
     <a:masterClrMapping/>
   </p:clrMapOvr>
-  <mc:AlternateContent xmlns:mc="http://schemas.openxmlformats.org/markup-compatibility/2006">
-    <mc:Choice xmlns:p159="http://schemas.microsoft.com/office/powerpoint/2015/09/main" Requires="p159">
+  <mc:AlternateContent xmlns:mc="http://schemas.openxmlformats.org/markup-compatibility/2006" xmlns:p159="http://schemas.microsoft.com/office/powerpoint/2015/09/main">
+    <mc:Choice Requires="p159">
       <p:transition xmlns:p14="http://schemas.microsoft.com/office/powerpoint/2010/main" spd="slow" p14:dur="2000">
         <p159:morph option="byObject"/>
       </p:transition>
     </mc:Choice>
-    <mc:Fallback>
+    <mc:Fallback xmlns="">
       <p:transition spd="slow">
         <p:fade/>
       </p:transition>
@@ -3903,13 +3961,13 @@
   <p:clrMapOvr>
     <a:masterClrMapping/>
   </p:clrMapOvr>
-  <mc:AlternateContent xmlns:mc="http://schemas.openxmlformats.org/markup-compatibility/2006">
-    <mc:Choice xmlns:p159="http://schemas.microsoft.com/office/powerpoint/2015/09/main" Requires="p159">
+  <mc:AlternateContent xmlns:mc="http://schemas.openxmlformats.org/markup-compatibility/2006" xmlns:p159="http://schemas.microsoft.com/office/powerpoint/2015/09/main">
+    <mc:Choice Requires="p159">
       <p:transition xmlns:p14="http://schemas.microsoft.com/office/powerpoint/2010/main" spd="slow" p14:dur="2000">
         <p159:morph option="byObject"/>
       </p:transition>
     </mc:Choice>
-    <mc:Fallback>
+    <mc:Fallback xmlns="">
       <p:transition spd="slow">
         <p:fade/>
       </p:transition>
@@ -4062,13 +4120,13 @@
   <p:clrMapOvr>
     <a:masterClrMapping/>
   </p:clrMapOvr>
-  <mc:AlternateContent xmlns:mc="http://schemas.openxmlformats.org/markup-compatibility/2006">
-    <mc:Choice xmlns:p159="http://schemas.microsoft.com/office/powerpoint/2015/09/main" Requires="p159">
+  <mc:AlternateContent xmlns:mc="http://schemas.openxmlformats.org/markup-compatibility/2006" xmlns:p159="http://schemas.microsoft.com/office/powerpoint/2015/09/main">
+    <mc:Choice Requires="p159">
       <p:transition xmlns:p14="http://schemas.microsoft.com/office/powerpoint/2010/main" spd="slow" p14:dur="2000">
         <p159:morph option="byObject"/>
       </p:transition>
     </mc:Choice>
-    <mc:Fallback>
+    <mc:Fallback xmlns="">
       <p:transition spd="slow">
         <p:fade/>
       </p:transition>
@@ -4221,13 +4279,13 @@
   <p:clrMapOvr>
     <a:masterClrMapping/>
   </p:clrMapOvr>
-  <mc:AlternateContent xmlns:mc="http://schemas.openxmlformats.org/markup-compatibility/2006">
-    <mc:Choice xmlns:p159="http://schemas.microsoft.com/office/powerpoint/2015/09/main" Requires="p159">
+  <mc:AlternateContent xmlns:mc="http://schemas.openxmlformats.org/markup-compatibility/2006" xmlns:p159="http://schemas.microsoft.com/office/powerpoint/2015/09/main">
+    <mc:Choice Requires="p159">
       <p:transition xmlns:p14="http://schemas.microsoft.com/office/powerpoint/2010/main" spd="slow" p14:dur="2000">
         <p159:morph option="byObject"/>
       </p:transition>
     </mc:Choice>
-    <mc:Fallback>
+    <mc:Fallback xmlns="">
       <p:transition spd="slow">
         <p:fade/>
       </p:transition>
@@ -4380,13 +4438,13 @@
   <p:clrMapOvr>
     <a:masterClrMapping/>
   </p:clrMapOvr>
-  <mc:AlternateContent xmlns:mc="http://schemas.openxmlformats.org/markup-compatibility/2006">
-    <mc:Choice xmlns:p159="http://schemas.microsoft.com/office/powerpoint/2015/09/main" Requires="p159">
+  <mc:AlternateContent xmlns:mc="http://schemas.openxmlformats.org/markup-compatibility/2006" xmlns:p159="http://schemas.microsoft.com/office/powerpoint/2015/09/main">
+    <mc:Choice Requires="p159">
       <p:transition xmlns:p14="http://schemas.microsoft.com/office/powerpoint/2010/main" spd="slow" p14:dur="2000">
         <p159:morph option="byObject"/>
       </p:transition>
     </mc:Choice>
-    <mc:Fallback>
+    <mc:Fallback xmlns="">
       <p:transition spd="slow">
         <p:fade/>
       </p:transition>
@@ -4550,13 +4608,13 @@
   <p:clrMapOvr>
     <a:masterClrMapping/>
   </p:clrMapOvr>
-  <mc:AlternateContent xmlns:mc="http://schemas.openxmlformats.org/markup-compatibility/2006">
-    <mc:Choice xmlns:p159="http://schemas.microsoft.com/office/powerpoint/2015/09/main" Requires="p159">
+  <mc:AlternateContent xmlns:mc="http://schemas.openxmlformats.org/markup-compatibility/2006" xmlns:p159="http://schemas.microsoft.com/office/powerpoint/2015/09/main">
+    <mc:Choice Requires="p159">
       <p:transition xmlns:p14="http://schemas.microsoft.com/office/powerpoint/2010/main" spd="slow" p14:dur="2000">
         <p159:morph option="byObject"/>
       </p:transition>
     </mc:Choice>
-    <mc:Fallback>
+    <mc:Fallback xmlns="">
       <p:transition spd="slow">
         <p:fade/>
       </p:transition>
@@ -4685,13 +4743,13 @@
   <p:clrMapOvr>
     <a:masterClrMapping/>
   </p:clrMapOvr>
-  <mc:AlternateContent xmlns:mc="http://schemas.openxmlformats.org/markup-compatibility/2006">
-    <mc:Choice xmlns:p159="http://schemas.microsoft.com/office/powerpoint/2015/09/main" Requires="p159">
+  <mc:AlternateContent xmlns:mc="http://schemas.openxmlformats.org/markup-compatibility/2006" xmlns:p159="http://schemas.microsoft.com/office/powerpoint/2015/09/main">
+    <mc:Choice Requires="p159">
       <p:transition xmlns:p14="http://schemas.microsoft.com/office/powerpoint/2010/main" spd="slow" p14:dur="2000">
         <p159:morph option="byObject"/>
       </p:transition>
     </mc:Choice>
-    <mc:Fallback>
+    <mc:Fallback xmlns="">
       <p:transition spd="slow">
         <p:fade/>
       </p:transition>
@@ -4954,13 +5012,13 @@
   <p:clrMapOvr>
     <a:masterClrMapping/>
   </p:clrMapOvr>
-  <mc:AlternateContent xmlns:mc="http://schemas.openxmlformats.org/markup-compatibility/2006">
-    <mc:Choice xmlns:p159="http://schemas.microsoft.com/office/powerpoint/2015/09/main" Requires="p159">
+  <mc:AlternateContent xmlns:mc="http://schemas.openxmlformats.org/markup-compatibility/2006" xmlns:p159="http://schemas.microsoft.com/office/powerpoint/2015/09/main">
+    <mc:Choice Requires="p159">
       <p:transition xmlns:p14="http://schemas.microsoft.com/office/powerpoint/2010/main" spd="slow" p14:dur="2000">
         <p159:morph option="byObject"/>
       </p:transition>
     </mc:Choice>
-    <mc:Fallback>
+    <mc:Fallback xmlns="">
       <p:transition spd="slow">
         <p:fade/>
       </p:transition>
@@ -5115,13 +5173,13 @@
   <p:clrMapOvr>
     <a:masterClrMapping/>
   </p:clrMapOvr>
-  <mc:AlternateContent xmlns:mc="http://schemas.openxmlformats.org/markup-compatibility/2006">
-    <mc:Choice xmlns:p159="http://schemas.microsoft.com/office/powerpoint/2015/09/main" Requires="p159">
+  <mc:AlternateContent xmlns:mc="http://schemas.openxmlformats.org/markup-compatibility/2006" xmlns:p159="http://schemas.microsoft.com/office/powerpoint/2015/09/main">
+    <mc:Choice Requires="p159">
       <p:transition xmlns:p14="http://schemas.microsoft.com/office/powerpoint/2010/main" spd="slow" p14:dur="2000">
         <p159:morph option="byObject"/>
       </p:transition>
     </mc:Choice>
-    <mc:Fallback>
+    <mc:Fallback xmlns="">
       <p:transition spd="slow">
         <p:fade/>
       </p:transition>
@@ -5295,13 +5353,13 @@
   <p:clrMapOvr>
     <a:masterClrMapping/>
   </p:clrMapOvr>
-  <mc:AlternateContent xmlns:mc="http://schemas.openxmlformats.org/markup-compatibility/2006">
-    <mc:Choice xmlns:p159="http://schemas.microsoft.com/office/powerpoint/2015/09/main" Requires="p159">
+  <mc:AlternateContent xmlns:mc="http://schemas.openxmlformats.org/markup-compatibility/2006" xmlns:p159="http://schemas.microsoft.com/office/powerpoint/2015/09/main">
+    <mc:Choice Requires="p159">
       <p:transition xmlns:p14="http://schemas.microsoft.com/office/powerpoint/2010/main" spd="slow" p14:dur="2000">
         <p159:morph option="byObject"/>
       </p:transition>
     </mc:Choice>
-    <mc:Fallback>
+    <mc:Fallback xmlns="">
       <p:transition spd="slow">
         <p:fade/>
       </p:transition>

--- a/Labhesh_Jasmeet_Rohan.pptx
+++ b/Labhesh_Jasmeet_Rohan.pptx
@@ -16,7 +16,8 @@
     <p:sldId id="264" r:id="rId10"/>
     <p:sldId id="265" r:id="rId11"/>
     <p:sldId id="266" r:id="rId12"/>
-    <p:sldId id="267" r:id="rId13"/>
+    <p:sldId id="268" r:id="rId13"/>
+    <p:sldId id="267" r:id="rId14"/>
   </p:sldIdLst>
   <p:sldSz cx="9144000" cy="6858000" type="screen4x3"/>
   <p:notesSz cx="6858000" cy="9144000"/>
@@ -3776,7 +3777,7 @@
           </a:bodyPr>
           <a:lstStyle/>
           <a:p>
-            <a:endParaRPr sz="2800" dirty="0"/>
+            <a:endParaRPr lang="en-IN" sz="2800" dirty="0"/>
           </a:p>
           <a:p>
             <a:pPr lvl="1">
@@ -3785,23 +3786,23 @@
               </a:defRPr>
             </a:pPr>
             <a:r>
-              <a:rPr sz="2000" dirty="0"/>
+              <a:rPr lang="en-IN" sz="2000" dirty="0"/>
               <a:t>1. Install dependencies (Python ≥3.9, pandas, </a:t>
             </a:r>
             <a:r>
-              <a:rPr sz="2000" dirty="0" err="1"/>
+              <a:rPr lang="en-IN" sz="2000" dirty="0" err="1"/>
               <a:t>numpy</a:t>
             </a:r>
             <a:r>
-              <a:rPr sz="2000" dirty="0"/>
+              <a:rPr lang="en-IN" sz="2000" dirty="0"/>
               <a:t>, </a:t>
             </a:r>
             <a:r>
-              <a:rPr sz="2000" dirty="0" err="1"/>
+              <a:rPr lang="en-IN" sz="2000" dirty="0" err="1"/>
               <a:t>streamlit</a:t>
             </a:r>
             <a:r>
-              <a:rPr sz="2000" dirty="0"/>
+              <a:rPr lang="en-IN" sz="2000" dirty="0"/>
               <a:t>, etc.).</a:t>
             </a:r>
           </a:p>
@@ -3812,7 +3813,7 @@
               </a:defRPr>
             </a:pPr>
             <a:r>
-              <a:rPr sz="2000" dirty="0"/>
+              <a:rPr lang="en-IN" sz="2000" dirty="0"/>
               <a:t>2. Generate or load data(`python scripts/generate_dataset.py` or replace CSVs).</a:t>
             </a:r>
           </a:p>
@@ -3823,7 +3824,7 @@
               </a:defRPr>
             </a:pPr>
             <a:r>
-              <a:rPr sz="2000" dirty="0"/>
+              <a:rPr lang="en-IN" sz="2000" dirty="0"/>
               <a:t>3. Run CLI to validate pipeline and produce baseline outputs.</a:t>
             </a:r>
           </a:p>
@@ -3834,15 +3835,15 @@
               </a:defRPr>
             </a:pPr>
             <a:r>
-              <a:rPr sz="2000" dirty="0"/>
+              <a:rPr lang="en-IN" sz="2000" dirty="0"/>
               <a:t>4. Launch </a:t>
             </a:r>
             <a:r>
-              <a:rPr sz="2000" dirty="0" err="1"/>
+              <a:rPr lang="en-IN" sz="2000" dirty="0" err="1"/>
               <a:t>Streamlit</a:t>
             </a:r>
             <a:r>
-              <a:rPr sz="2000" dirty="0"/>
+              <a:rPr lang="en-IN" sz="2000" dirty="0"/>
               <a:t> app for interactive use and plain-language reporting.</a:t>
             </a:r>
           </a:p>
@@ -3853,7 +3854,7 @@
               </a:defRPr>
             </a:pPr>
             <a:r>
-              <a:rPr sz="2000" dirty="0"/>
+              <a:rPr lang="en-IN" sz="2000" dirty="0"/>
               <a:t>5. Review conflict log and adjust penalties/constraints to match hospital policy.</a:t>
             </a:r>
           </a:p>
@@ -3864,7 +3865,7 @@
               </a:defRPr>
             </a:pPr>
             <a:r>
-              <a:rPr sz="2000" dirty="0"/>
+              <a:rPr lang="en-IN" sz="2000" dirty="0"/>
               <a:t>6. Document decisions using the generated CSV/JSON/layman explanation exports.</a:t>
             </a:r>
           </a:p>
@@ -3891,6 +3892,197 @@
 </file>
 
 <file path=ppt/slides/slide12.xml><?xml version="1.0" encoding="utf-8"?>
+<p:sld xmlns:a="http://schemas.openxmlformats.org/drawingml/2006/main" xmlns:r="http://schemas.openxmlformats.org/officeDocument/2006/relationships" xmlns:p="http://schemas.openxmlformats.org/presentationml/2006/main">
+  <p:cSld>
+    <p:spTree>
+      <p:nvGrpSpPr>
+        <p:cNvPr id="1" name="">
+          <a:extLst>
+            <a:ext uri="{FF2B5EF4-FFF2-40B4-BE49-F238E27FC236}">
+              <a16:creationId xmlns:a16="http://schemas.microsoft.com/office/drawing/2014/main" id="{08C9FA7F-1A87-CCCF-5704-B6530B528D0F}"/>
+            </a:ext>
+          </a:extLst>
+        </p:cNvPr>
+        <p:cNvGrpSpPr/>
+        <p:nvPr/>
+      </p:nvGrpSpPr>
+      <p:grpSpPr>
+        <a:xfrm>
+          <a:off x="0" y="0"/>
+          <a:ext cx="0" cy="0"/>
+          <a:chOff x="0" y="0"/>
+          <a:chExt cx="0" cy="0"/>
+        </a:xfrm>
+      </p:grpSpPr>
+      <p:sp>
+        <p:nvSpPr>
+          <p:cNvPr id="2" name="Title 1">
+            <a:extLst>
+              <a:ext uri="{FF2B5EF4-FFF2-40B4-BE49-F238E27FC236}">
+                <a16:creationId xmlns:a16="http://schemas.microsoft.com/office/drawing/2014/main" id="{AAD53F84-CED9-A4AE-9764-F6C0475A1FF0}"/>
+              </a:ext>
+            </a:extLst>
+          </p:cNvPr>
+          <p:cNvSpPr>
+            <a:spLocks noGrp="1"/>
+          </p:cNvSpPr>
+          <p:nvPr>
+            <p:ph type="title"/>
+          </p:nvPr>
+        </p:nvSpPr>
+        <p:spPr/>
+        <p:txBody>
+          <a:bodyPr/>
+          <a:lstStyle/>
+          <a:p>
+            <a:pPr>
+              <a:defRPr sz="3600">
+                <a:solidFill>
+                  <a:srgbClr val="FF0000"/>
+                </a:solidFill>
+                <a:latin typeface="Times New Roman"/>
+              </a:defRPr>
+            </a:pPr>
+            <a:r>
+              <a:rPr lang="en-US" dirty="0"/>
+              <a:t>11. Conclusion</a:t>
+            </a:r>
+            <a:endParaRPr dirty="0"/>
+          </a:p>
+        </p:txBody>
+      </p:sp>
+      <p:sp>
+        <p:nvSpPr>
+          <p:cNvPr id="3" name="Content Placeholder 2">
+            <a:extLst>
+              <a:ext uri="{FF2B5EF4-FFF2-40B4-BE49-F238E27FC236}">
+                <a16:creationId xmlns:a16="http://schemas.microsoft.com/office/drawing/2014/main" id="{C7FC2056-D0DB-69A5-F831-C623122AAF7E}"/>
+              </a:ext>
+            </a:extLst>
+          </p:cNvPr>
+          <p:cNvSpPr>
+            <a:spLocks noGrp="1"/>
+          </p:cNvSpPr>
+          <p:nvPr>
+            <p:ph idx="1"/>
+          </p:nvPr>
+        </p:nvSpPr>
+        <p:spPr/>
+        <p:txBody>
+          <a:bodyPr>
+            <a:noAutofit/>
+          </a:bodyPr>
+          <a:lstStyle/>
+          <a:p>
+            <a:pPr algn="just"/>
+            <a:r>
+              <a:rPr lang="en-IN" sz="2400" b="1" dirty="0">
+                <a:latin typeface="Times New Roman" panose="02020603050405020304" pitchFamily="18" charset="0"/>
+                <a:cs typeface="Times New Roman" panose="02020603050405020304" pitchFamily="18" charset="0"/>
+              </a:rPr>
+              <a:t>Outcome</a:t>
+            </a:r>
+            <a:r>
+              <a:rPr lang="en-IN" sz="2400" dirty="0">
+                <a:latin typeface="Times New Roman" panose="02020603050405020304" pitchFamily="18" charset="0"/>
+                <a:cs typeface="Times New Roman" panose="02020603050405020304" pitchFamily="18" charset="0"/>
+              </a:rPr>
+              <a:t>: Hybrid GA + fuzzy + XAI pipeline converts ICU census data into transparent, auditable bed assignments within minutes.</a:t>
+            </a:r>
+          </a:p>
+          <a:p>
+            <a:pPr algn="just"/>
+            <a:r>
+              <a:rPr lang="en-IN" sz="2400" b="1" dirty="0">
+                <a:latin typeface="Times New Roman" panose="02020603050405020304" pitchFamily="18" charset="0"/>
+                <a:cs typeface="Times New Roman" panose="02020603050405020304" pitchFamily="18" charset="0"/>
+              </a:rPr>
+              <a:t>Performance snapshot</a:t>
+            </a:r>
+            <a:r>
+              <a:rPr lang="en-IN" sz="2400" dirty="0">
+                <a:latin typeface="Times New Roman" panose="02020603050405020304" pitchFamily="18" charset="0"/>
+                <a:cs typeface="Times New Roman" panose="02020603050405020304" pitchFamily="18" charset="0"/>
+              </a:rPr>
+              <a:t>: Typical runs achieve ~0.43 survival score, ~0.56 priority score, 100% bed utilization, and nurse load ratio &lt;1.0 while tracking conflicts.</a:t>
+            </a:r>
+          </a:p>
+          <a:p>
+            <a:pPr algn="just"/>
+            <a:r>
+              <a:rPr lang="en-IN" sz="2400" b="1" dirty="0">
+                <a:latin typeface="Times New Roman" panose="02020603050405020304" pitchFamily="18" charset="0"/>
+                <a:cs typeface="Times New Roman" panose="02020603050405020304" pitchFamily="18" charset="0"/>
+              </a:rPr>
+              <a:t>Actionability</a:t>
+            </a:r>
+            <a:r>
+              <a:rPr lang="en-IN" sz="2400" dirty="0">
+                <a:latin typeface="Times New Roman" panose="02020603050405020304" pitchFamily="18" charset="0"/>
+                <a:cs typeface="Times New Roman" panose="02020603050405020304" pitchFamily="18" charset="0"/>
+              </a:rPr>
+              <a:t>: Plain-language explanations, CSV/JSON exports, and </a:t>
+            </a:r>
+            <a:r>
+              <a:rPr lang="en-IN" sz="2400" dirty="0" err="1">
+                <a:latin typeface="Times New Roman" panose="02020603050405020304" pitchFamily="18" charset="0"/>
+                <a:cs typeface="Times New Roman" panose="02020603050405020304" pitchFamily="18" charset="0"/>
+              </a:rPr>
+              <a:t>Streamlit</a:t>
+            </a:r>
+            <a:r>
+              <a:rPr lang="en-IN" sz="2400" dirty="0">
+                <a:latin typeface="Times New Roman" panose="02020603050405020304" pitchFamily="18" charset="0"/>
+                <a:cs typeface="Times New Roman" panose="02020603050405020304" pitchFamily="18" charset="0"/>
+              </a:rPr>
+              <a:t> UI let clinicians and ops teams validate or adjust decisions quickly.</a:t>
+            </a:r>
+          </a:p>
+          <a:p>
+            <a:pPr algn="just"/>
+            <a:r>
+              <a:rPr lang="en-IN" sz="2400" b="1" dirty="0">
+                <a:latin typeface="Times New Roman" panose="02020603050405020304" pitchFamily="18" charset="0"/>
+                <a:cs typeface="Times New Roman" panose="02020603050405020304" pitchFamily="18" charset="0"/>
+              </a:rPr>
+              <a:t>Extensibility</a:t>
+            </a:r>
+            <a:r>
+              <a:rPr lang="en-IN" sz="2400" dirty="0">
+                <a:latin typeface="Times New Roman" panose="02020603050405020304" pitchFamily="18" charset="0"/>
+                <a:cs typeface="Times New Roman" panose="02020603050405020304" pitchFamily="18" charset="0"/>
+              </a:rPr>
+              <a:t>: Swap datasets, retune penalties, or plug new metaheuristics without rewriting the workflow—ideal for future ICU demand scenarios.</a:t>
+            </a:r>
+          </a:p>
+        </p:txBody>
+      </p:sp>
+    </p:spTree>
+    <p:extLst>
+      <p:ext uri="{BB962C8B-B14F-4D97-AF65-F5344CB8AC3E}">
+        <p14:creationId xmlns:p14="http://schemas.microsoft.com/office/powerpoint/2010/main" val="2597604753"/>
+      </p:ext>
+    </p:extLst>
+  </p:cSld>
+  <p:clrMapOvr>
+    <a:masterClrMapping/>
+  </p:clrMapOvr>
+  <mc:AlternateContent xmlns:mc="http://schemas.openxmlformats.org/markup-compatibility/2006">
+    <mc:Choice xmlns:p159="http://schemas.microsoft.com/office/powerpoint/2015/09/main" Requires="p159">
+      <p:transition xmlns:p14="http://schemas.microsoft.com/office/powerpoint/2010/main" spd="slow" p14:dur="2000">
+        <p159:morph option="byObject"/>
+      </p:transition>
+    </mc:Choice>
+    <mc:Fallback>
+      <p:transition spd="slow">
+        <p:fade/>
+      </p:transition>
+    </mc:Fallback>
+  </mc:AlternateContent>
+</p:sld>
+</file>
+
+<file path=ppt/slides/slide13.xml><?xml version="1.0" encoding="utf-8"?>
 <p:sld xmlns:a="http://schemas.openxmlformats.org/drawingml/2006/main" xmlns:r="http://schemas.openxmlformats.org/officeDocument/2006/relationships" xmlns:p="http://schemas.openxmlformats.org/presentationml/2006/main">
   <p:cSld>
     <p:spTree>
